--- a/Presentations/CacheLibraries/CacheLibraries.pptx
+++ b/Presentations/CacheLibraries/CacheLibraries.pptx
@@ -3667,12 +3667,20 @@
           <a:lstStyle/>
           <a:p>
             <a:r>
-              <a:rPr lang="en-US" sz="4000" dirty="0" smtClean="0">
+              <a:rPr lang="en-US" sz="4000" smtClean="0">
                 <a:solidFill>
                   <a:schemeClr val="bg1"/>
                 </a:solidFill>
               </a:rPr>
-              <a:t>Cache Libraries</a:t>
+              <a:t>Cache </a:t>
+            </a:r>
+            <a:r>
+              <a:rPr lang="en-US" sz="4000" smtClean="0">
+                <a:solidFill>
+                  <a:schemeClr val="bg1"/>
+                </a:solidFill>
+              </a:rPr>
+              <a:t>Libraries </a:t>
             </a:r>
             <a:endParaRPr lang="fr-CA" sz="3800" dirty="0" smtClean="0">
               <a:solidFill>

--- a/Presentations/CacheLibraries/CacheLibraries.pptx
+++ b/Presentations/CacheLibraries/CacheLibraries.pptx
@@ -3680,7 +3680,7 @@
                   <a:schemeClr val="bg1"/>
                 </a:solidFill>
               </a:rPr>
-              <a:t>Libraries </a:t>
+              <a:t>Libraries  </a:t>
             </a:r>
             <a:endParaRPr lang="fr-CA" sz="3800" dirty="0" smtClean="0">
               <a:solidFill>
